--- a/assets/lectures/cshl/2024/full/RNASeq_Module1_IntrotoRNA.pptx
+++ b/assets/lectures/cshl/2024/full/RNASeq_Module1_IntrotoRNA.pptx
@@ -5,10 +5,10 @@
     <p:sldMasterId id="2147483648" r:id="rId1"/>
   </p:sldMasterIdLst>
   <p:notesMasterIdLst>
-    <p:notesMasterId r:id="rId23"/>
+    <p:notesMasterId r:id="rId24"/>
   </p:notesMasterIdLst>
   <p:handoutMasterIdLst>
-    <p:handoutMasterId r:id="rId24"/>
+    <p:handoutMasterId r:id="rId25"/>
   </p:handoutMasterIdLst>
   <p:sldIdLst>
     <p:sldId id="515" r:id="rId2"/>
@@ -31,7 +31,8 @@
     <p:sldId id="561" r:id="rId19"/>
     <p:sldId id="562" r:id="rId20"/>
     <p:sldId id="563" r:id="rId21"/>
-    <p:sldId id="260" r:id="rId22"/>
+    <p:sldId id="565" r:id="rId22"/>
+    <p:sldId id="260" r:id="rId23"/>
   </p:sldIdLst>
   <p:sldSz cx="12192000" cy="6858000"/>
   <p:notesSz cx="7315200" cy="9601200"/>
@@ -282,7 +283,7 @@
               <a:pPr>
                 <a:defRPr/>
               </a:pPr>
-              <a:t>11/13/24</a:t>
+              <a:t>11/15/24</a:t>
             </a:fld>
             <a:endParaRPr lang="en-US"/>
           </a:p>
@@ -489,7 +490,7 @@
               <a:pPr>
                 <a:defRPr/>
               </a:pPr>
-              <a:t>11/13/24</a:t>
+              <a:t>11/15/24</a:t>
             </a:fld>
             <a:endParaRPr lang="en-US"/>
           </a:p>
@@ -932,14 +933,14 @@
           <a:noFill/>
           <a:extLst>
             <a:ext uri="{909E8E84-426E-40dd-AFC4-6F175D3DCCD1}">
-              <a14:hiddenFill xmlns="" xmlns:a14="http://schemas.microsoft.com/office/drawing/2010/main">
+              <a14:hiddenFill xmlns:a14="http://schemas.microsoft.com/office/drawing/2010/main" xmlns="">
                 <a:solidFill>
                   <a:srgbClr val="FFFFFF"/>
                 </a:solidFill>
               </a14:hiddenFill>
             </a:ext>
             <a:ext uri="{91240B29-F687-4f45-9708-019B960494DF}">
-              <a14:hiddenLine xmlns="" xmlns:a14="http://schemas.microsoft.com/office/drawing/2010/main" w="9525">
+              <a14:hiddenLine xmlns:a14="http://schemas.microsoft.com/office/drawing/2010/main" xmlns="" w="9525">
                 <a:solidFill>
                   <a:srgbClr val="000000"/>
                 </a:solidFill>
@@ -1103,7 +1104,7 @@
           </a:ln>
           <a:extLst>
             <a:ext uri="{FAA26D3D-D897-4be2-8F04-BA451C77F1D7}">
-              <ma14:placeholderFlag xmlns="" xmlns:ma14="http://schemas.microsoft.com/office/mac/drawingml/2011/main" val="1"/>
+              <ma14:placeholderFlag xmlns:ma14="http://schemas.microsoft.com/office/mac/drawingml/2011/main" xmlns="" val="1"/>
             </a:ext>
           </a:extLst>
         </p:spPr>
@@ -1132,7 +1133,7 @@
           </a:ln>
           <a:extLst>
             <a:ext uri="{FAA26D3D-D897-4be2-8F04-BA451C77F1D7}">
-              <ma14:placeholderFlag xmlns="" xmlns:ma14="http://schemas.microsoft.com/office/mac/drawingml/2011/main" val="1"/>
+              <ma14:placeholderFlag xmlns:ma14="http://schemas.microsoft.com/office/mac/drawingml/2011/main" xmlns="" val="1"/>
             </a:ext>
           </a:extLst>
         </p:spPr>
@@ -2082,7 +2083,7 @@
             </a:pPr>
             <a:fld id="{00000000-1234-1234-1234-123412341234}" type="slidenum">
               <a:rPr lang="en-US"/>
-              <a:t>21</a:t>
+              <a:t>22</a:t>
             </a:fld>
             <a:endParaRPr/>
           </a:p>
@@ -2144,14 +2145,14 @@
           </a:ln>
           <a:extLst>
             <a:ext uri="{909E8E84-426E-40dd-AFC4-6F175D3DCCD1}">
-              <a14:hiddenFill xmlns="" xmlns:a14="http://schemas.microsoft.com/office/drawing/2010/main">
+              <a14:hiddenFill xmlns:a14="http://schemas.microsoft.com/office/drawing/2010/main" xmlns="">
                 <a:solidFill>
                   <a:srgbClr val="FFFFFF"/>
                 </a:solidFill>
               </a14:hiddenFill>
             </a:ext>
             <a:ext uri="{FAA26D3D-D897-4be2-8F04-BA451C77F1D7}">
-              <ma14:placeholderFlag xmlns="" xmlns:ma14="http://schemas.microsoft.com/office/mac/drawingml/2011/main" val="1"/>
+              <ma14:placeholderFlag xmlns:ma14="http://schemas.microsoft.com/office/mac/drawingml/2011/main" xmlns="" val="1"/>
             </a:ext>
           </a:extLst>
         </p:spPr>
@@ -2170,14 +2171,14 @@
           <a:noFill/>
           <a:extLst>
             <a:ext uri="{909E8E84-426E-40dd-AFC4-6F175D3DCCD1}">
-              <a14:hiddenFill xmlns="" xmlns:a14="http://schemas.microsoft.com/office/drawing/2010/main">
+              <a14:hiddenFill xmlns:a14="http://schemas.microsoft.com/office/drawing/2010/main" xmlns="">
                 <a:solidFill>
                   <a:srgbClr val="FFFFFF"/>
                 </a:solidFill>
               </a14:hiddenFill>
             </a:ext>
             <a:ext uri="{91240B29-F687-4f45-9708-019B960494DF}">
-              <a14:hiddenLine xmlns="" xmlns:a14="http://schemas.microsoft.com/office/drawing/2010/main" w="9525">
+              <a14:hiddenLine xmlns:a14="http://schemas.microsoft.com/office/drawing/2010/main" xmlns="" w="9525">
                 <a:solidFill>
                   <a:srgbClr val="000000"/>
                 </a:solidFill>
@@ -2187,7 +2188,7 @@
               </a14:hiddenLine>
             </a:ext>
             <a:ext uri="{FAA26D3D-D897-4be2-8F04-BA451C77F1D7}">
-              <ma14:placeholderFlag xmlns="" xmlns:ma14="http://schemas.microsoft.com/office/mac/drawingml/2011/main" val="1"/>
+              <ma14:placeholderFlag xmlns:ma14="http://schemas.microsoft.com/office/mac/drawingml/2011/main" xmlns="" val="1"/>
             </a:ext>
           </a:extLst>
         </p:spPr>
@@ -2221,14 +2222,14 @@
           <a:noFill/>
           <a:extLst>
             <a:ext uri="{909E8E84-426E-40dd-AFC4-6F175D3DCCD1}">
-              <a14:hiddenFill xmlns="" xmlns:a14="http://schemas.microsoft.com/office/drawing/2010/main">
+              <a14:hiddenFill xmlns:a14="http://schemas.microsoft.com/office/drawing/2010/main" xmlns="">
                 <a:solidFill>
                   <a:srgbClr val="FFFFFF"/>
                 </a:solidFill>
               </a14:hiddenFill>
             </a:ext>
             <a:ext uri="{91240B29-F687-4f45-9708-019B960494DF}">
-              <a14:hiddenLine xmlns="" xmlns:a14="http://schemas.microsoft.com/office/drawing/2010/main" w="9525">
+              <a14:hiddenLine xmlns:a14="http://schemas.microsoft.com/office/drawing/2010/main" xmlns="" w="9525">
                 <a:solidFill>
                   <a:srgbClr val="000000"/>
                 </a:solidFill>
@@ -2408,14 +2409,14 @@
           <a:noFill/>
           <a:extLst>
             <a:ext uri="{909E8E84-426E-40dd-AFC4-6F175D3DCCD1}">
-              <a14:hiddenFill xmlns="" xmlns:a14="http://schemas.microsoft.com/office/drawing/2010/main">
+              <a14:hiddenFill xmlns:a14="http://schemas.microsoft.com/office/drawing/2010/main" xmlns="">
                 <a:solidFill>
                   <a:srgbClr val="FFFFFF"/>
                 </a:solidFill>
               </a14:hiddenFill>
             </a:ext>
             <a:ext uri="{91240B29-F687-4f45-9708-019B960494DF}">
-              <a14:hiddenLine xmlns="" xmlns:a14="http://schemas.microsoft.com/office/drawing/2010/main" w="9525">
+              <a14:hiddenLine xmlns:a14="http://schemas.microsoft.com/office/drawing/2010/main" xmlns="" w="9525">
                 <a:solidFill>
                   <a:srgbClr val="000000"/>
                 </a:solidFill>
@@ -2579,7 +2580,7 @@
           </a:ln>
           <a:extLst>
             <a:ext uri="{FAA26D3D-D897-4be2-8F04-BA451C77F1D7}">
-              <ma14:placeholderFlag xmlns="" xmlns:ma14="http://schemas.microsoft.com/office/mac/drawingml/2011/main" val="1"/>
+              <ma14:placeholderFlag xmlns:ma14="http://schemas.microsoft.com/office/mac/drawingml/2011/main" xmlns="" val="1"/>
             </a:ext>
           </a:extLst>
         </p:spPr>
@@ -2608,7 +2609,7 @@
           </a:ln>
           <a:extLst>
             <a:ext uri="{FAA26D3D-D897-4be2-8F04-BA451C77F1D7}">
-              <ma14:placeholderFlag xmlns="" xmlns:ma14="http://schemas.microsoft.com/office/mac/drawingml/2011/main" val="1"/>
+              <ma14:placeholderFlag xmlns:ma14="http://schemas.microsoft.com/office/mac/drawingml/2011/main" xmlns="" val="1"/>
             </a:ext>
           </a:extLst>
         </p:spPr>
@@ -2673,14 +2674,14 @@
           <a:noFill/>
           <a:extLst>
             <a:ext uri="{909E8E84-426E-40dd-AFC4-6F175D3DCCD1}">
-              <a14:hiddenFill xmlns="" xmlns:a14="http://schemas.microsoft.com/office/drawing/2010/main">
+              <a14:hiddenFill xmlns:a14="http://schemas.microsoft.com/office/drawing/2010/main" xmlns="">
                 <a:solidFill>
                   <a:srgbClr val="FFFFFF"/>
                 </a:solidFill>
               </a14:hiddenFill>
             </a:ext>
             <a:ext uri="{91240B29-F687-4f45-9708-019B960494DF}">
-              <a14:hiddenLine xmlns="" xmlns:a14="http://schemas.microsoft.com/office/drawing/2010/main" w="9525">
+              <a14:hiddenLine xmlns:a14="http://schemas.microsoft.com/office/drawing/2010/main" xmlns="" w="9525">
                 <a:solidFill>
                   <a:srgbClr val="000000"/>
                 </a:solidFill>
@@ -2844,7 +2845,7 @@
           </a:ln>
           <a:extLst>
             <a:ext uri="{FAA26D3D-D897-4be2-8F04-BA451C77F1D7}">
-              <ma14:placeholderFlag xmlns="" xmlns:ma14="http://schemas.microsoft.com/office/mac/drawingml/2011/main" val="1"/>
+              <ma14:placeholderFlag xmlns:ma14="http://schemas.microsoft.com/office/mac/drawingml/2011/main" xmlns="" val="1"/>
             </a:ext>
           </a:extLst>
         </p:spPr>
@@ -2873,7 +2874,7 @@
           </a:ln>
           <a:extLst>
             <a:ext uri="{FAA26D3D-D897-4be2-8F04-BA451C77F1D7}">
-              <ma14:placeholderFlag xmlns="" xmlns:ma14="http://schemas.microsoft.com/office/mac/drawingml/2011/main" val="1"/>
+              <ma14:placeholderFlag xmlns:ma14="http://schemas.microsoft.com/office/mac/drawingml/2011/main" xmlns="" val="1"/>
             </a:ext>
           </a:extLst>
         </p:spPr>
@@ -3045,14 +3046,14 @@
           <a:noFill/>
           <a:extLst>
             <a:ext uri="{909E8E84-426E-40dd-AFC4-6F175D3DCCD1}">
-              <a14:hiddenFill xmlns="" xmlns:a14="http://schemas.microsoft.com/office/drawing/2010/main">
+              <a14:hiddenFill xmlns:a14="http://schemas.microsoft.com/office/drawing/2010/main" xmlns="">
                 <a:solidFill>
                   <a:srgbClr val="FFFFFF"/>
                 </a:solidFill>
               </a14:hiddenFill>
             </a:ext>
             <a:ext uri="{91240B29-F687-4f45-9708-019B960494DF}">
-              <a14:hiddenLine xmlns="" xmlns:a14="http://schemas.microsoft.com/office/drawing/2010/main" w="9525">
+              <a14:hiddenLine xmlns:a14="http://schemas.microsoft.com/office/drawing/2010/main" xmlns="" w="9525">
                 <a:solidFill>
                   <a:srgbClr val="000000"/>
                 </a:solidFill>
@@ -3216,7 +3217,7 @@
           </a:ln>
           <a:extLst>
             <a:ext uri="{FAA26D3D-D897-4be2-8F04-BA451C77F1D7}">
-              <ma14:placeholderFlag xmlns="" xmlns:ma14="http://schemas.microsoft.com/office/mac/drawingml/2011/main" val="1"/>
+              <ma14:placeholderFlag xmlns:ma14="http://schemas.microsoft.com/office/mac/drawingml/2011/main" xmlns="" val="1"/>
             </a:ext>
           </a:extLst>
         </p:spPr>
@@ -3245,7 +3246,7 @@
           </a:ln>
           <a:extLst>
             <a:ext uri="{FAA26D3D-D897-4be2-8F04-BA451C77F1D7}">
-              <ma14:placeholderFlag xmlns="" xmlns:ma14="http://schemas.microsoft.com/office/mac/drawingml/2011/main" val="1"/>
+              <ma14:placeholderFlag xmlns:ma14="http://schemas.microsoft.com/office/mac/drawingml/2011/main" xmlns="" val="1"/>
             </a:ext>
           </a:extLst>
         </p:spPr>
@@ -4182,14 +4183,14 @@
           <a:noFill/>
           <a:extLst>
             <a:ext uri="{909E8E84-426E-40dd-AFC4-6F175D3DCCD1}">
-              <a14:hiddenFill xmlns="" xmlns:a14="http://schemas.microsoft.com/office/drawing/2010/main">
+              <a14:hiddenFill xmlns:a14="http://schemas.microsoft.com/office/drawing/2010/main" xmlns="">
                 <a:solidFill>
                   <a:srgbClr val="FFFFFF"/>
                 </a:solidFill>
               </a14:hiddenFill>
             </a:ext>
             <a:ext uri="{91240B29-F687-4f45-9708-019B960494DF}">
-              <a14:hiddenLine xmlns="" xmlns:a14="http://schemas.microsoft.com/office/drawing/2010/main" w="9525">
+              <a14:hiddenLine xmlns:a14="http://schemas.microsoft.com/office/drawing/2010/main" xmlns="" w="9525">
                 <a:solidFill>
                   <a:srgbClr val="000000"/>
                 </a:solidFill>
@@ -4353,7 +4354,7 @@
           </a:ln>
           <a:extLst>
             <a:ext uri="{FAA26D3D-D897-4be2-8F04-BA451C77F1D7}">
-              <ma14:placeholderFlag xmlns="" xmlns:ma14="http://schemas.microsoft.com/office/mac/drawingml/2011/main" val="1"/>
+              <ma14:placeholderFlag xmlns:ma14="http://schemas.microsoft.com/office/mac/drawingml/2011/main" xmlns="" val="1"/>
             </a:ext>
           </a:extLst>
         </p:spPr>
@@ -4382,7 +4383,7 @@
           </a:ln>
           <a:extLst>
             <a:ext uri="{FAA26D3D-D897-4be2-8F04-BA451C77F1D7}">
-              <ma14:placeholderFlag xmlns="" xmlns:ma14="http://schemas.microsoft.com/office/mac/drawingml/2011/main" val="1"/>
+              <ma14:placeholderFlag xmlns:ma14="http://schemas.microsoft.com/office/mac/drawingml/2011/main" xmlns="" val="1"/>
             </a:ext>
           </a:extLst>
         </p:spPr>
@@ -4522,14 +4523,14 @@
           </a:ln>
           <a:extLst>
             <a:ext uri="{909E8E84-426E-40dd-AFC4-6F175D3DCCD1}">
-              <a14:hiddenFill xmlns="" xmlns:a14="http://schemas.microsoft.com/office/drawing/2010/main">
+              <a14:hiddenFill xmlns:a14="http://schemas.microsoft.com/office/drawing/2010/main" xmlns="">
                 <a:solidFill>
                   <a:srgbClr val="FFFFFF"/>
                 </a:solidFill>
               </a14:hiddenFill>
             </a:ext>
             <a:ext uri="{91240B29-F687-4f45-9708-019B960494DF}">
-              <a14:hiddenLine xmlns="" xmlns:a14="http://schemas.microsoft.com/office/drawing/2010/main" w="9525">
+              <a14:hiddenLine xmlns:a14="http://schemas.microsoft.com/office/drawing/2010/main" xmlns="" w="9525">
                 <a:solidFill>
                   <a:srgbClr val="000000"/>
                 </a:solidFill>
@@ -4569,14 +4570,14 @@
           </a:ln>
           <a:extLst>
             <a:ext uri="{909E8E84-426E-40dd-AFC4-6F175D3DCCD1}">
-              <a14:hiddenFill xmlns:a14="http://schemas.microsoft.com/office/drawing/2010/main" xmlns="">
+              <a14:hiddenFill xmlns="" xmlns:a14="http://schemas.microsoft.com/office/drawing/2010/main">
                 <a:solidFill>
                   <a:srgbClr val="FFFFFF"/>
                 </a:solidFill>
               </a14:hiddenFill>
             </a:ext>
             <a:ext uri="{91240B29-F687-4f45-9708-019B960494DF}">
-              <a14:hiddenLine xmlns:a14="http://schemas.microsoft.com/office/drawing/2010/main" xmlns="" w="9525">
+              <a14:hiddenLine xmlns="" xmlns:a14="http://schemas.microsoft.com/office/drawing/2010/main" w="9525">
                 <a:solidFill>
                   <a:srgbClr val="000000"/>
                 </a:solidFill>
@@ -5538,14 +5539,14 @@
           </a:ln>
           <a:extLst>
             <a:ext uri="{909E8E84-426E-40dd-AFC4-6F175D3DCCD1}">
-              <a14:hiddenFill xmlns="" xmlns:a14="http://schemas.microsoft.com/office/drawing/2010/main">
+              <a14:hiddenFill xmlns:a14="http://schemas.microsoft.com/office/drawing/2010/main" xmlns="">
                 <a:solidFill>
                   <a:srgbClr val="FFFFFF"/>
                 </a:solidFill>
               </a14:hiddenFill>
             </a:ext>
             <a:ext uri="{91240B29-F687-4f45-9708-019B960494DF}">
-              <a14:hiddenLine xmlns="" xmlns:a14="http://schemas.microsoft.com/office/drawing/2010/main" w="9525">
+              <a14:hiddenLine xmlns:a14="http://schemas.microsoft.com/office/drawing/2010/main" xmlns="" w="9525">
                 <a:solidFill>
                   <a:srgbClr val="000000"/>
                 </a:solidFill>
@@ -5555,7 +5556,7 @@
               </a14:hiddenLine>
             </a:ext>
             <a:ext uri="{FAA26D3D-D897-4be2-8F04-BA451C77F1D7}">
-              <ma14:placeholderFlag xmlns="" xmlns:ma14="http://schemas.microsoft.com/office/mac/drawingml/2011/main" val="1"/>
+              <ma14:placeholderFlag xmlns:ma14="http://schemas.microsoft.com/office/mac/drawingml/2011/main" xmlns="" val="1"/>
             </a:ext>
           </a:extLst>
         </p:spPr>
@@ -5599,14 +5600,14 @@
           </a:ln>
           <a:extLst>
             <a:ext uri="{909E8E84-426E-40dd-AFC4-6F175D3DCCD1}">
-              <a14:hiddenFill xmlns="" xmlns:a14="http://schemas.microsoft.com/office/drawing/2010/main">
+              <a14:hiddenFill xmlns:a14="http://schemas.microsoft.com/office/drawing/2010/main" xmlns="">
                 <a:solidFill>
                   <a:srgbClr val="FFFFFF"/>
                 </a:solidFill>
               </a14:hiddenFill>
             </a:ext>
             <a:ext uri="{91240B29-F687-4f45-9708-019B960494DF}">
-              <a14:hiddenLine xmlns="" xmlns:a14="http://schemas.microsoft.com/office/drawing/2010/main" w="9525">
+              <a14:hiddenLine xmlns:a14="http://schemas.microsoft.com/office/drawing/2010/main" xmlns="" w="9525">
                 <a:solidFill>
                   <a:srgbClr val="000000"/>
                 </a:solidFill>
@@ -5616,7 +5617,7 @@
               </a14:hiddenLine>
             </a:ext>
             <a:ext uri="{FAA26D3D-D897-4be2-8F04-BA451C77F1D7}">
-              <ma14:placeholderFlag xmlns="" xmlns:ma14="http://schemas.microsoft.com/office/mac/drawingml/2011/main" val="1"/>
+              <ma14:placeholderFlag xmlns:ma14="http://schemas.microsoft.com/office/mac/drawingml/2011/main" xmlns="" val="1"/>
             </a:ext>
           </a:extLst>
         </p:spPr>
@@ -6374,14 +6375,14 @@
           </a:ln>
           <a:extLst>
             <a:ext uri="{909E8E84-426E-40dd-AFC4-6F175D3DCCD1}">
-              <a14:hiddenFill xmlns="" xmlns:a14="http://schemas.microsoft.com/office/drawing/2010/main">
+              <a14:hiddenFill xmlns:a14="http://schemas.microsoft.com/office/drawing/2010/main" xmlns="">
                 <a:solidFill>
                   <a:srgbClr val="FFFFFF"/>
                 </a:solidFill>
               </a14:hiddenFill>
             </a:ext>
             <a:ext uri="{91240B29-F687-4f45-9708-019B960494DF}">
-              <a14:hiddenLine xmlns="" xmlns:a14="http://schemas.microsoft.com/office/drawing/2010/main" w="9525">
+              <a14:hiddenLine xmlns:a14="http://schemas.microsoft.com/office/drawing/2010/main" xmlns="" w="9525">
                 <a:solidFill>
                   <a:srgbClr val="000000"/>
                 </a:solidFill>
@@ -6669,14 +6670,14 @@
           </a:ln>
           <a:extLst>
             <a:ext uri="{909E8E84-426E-40dd-AFC4-6F175D3DCCD1}">
-              <a14:hiddenFill xmlns:a14="http://schemas.microsoft.com/office/drawing/2010/main" xmlns="">
+              <a14:hiddenFill xmlns="" xmlns:a14="http://schemas.microsoft.com/office/drawing/2010/main">
                 <a:solidFill>
                   <a:srgbClr val="FFFFFF"/>
                 </a:solidFill>
               </a14:hiddenFill>
             </a:ext>
             <a:ext uri="{91240B29-F687-4f45-9708-019B960494DF}">
-              <a14:hiddenLine xmlns:a14="http://schemas.microsoft.com/office/drawing/2010/main" xmlns="" w="9525">
+              <a14:hiddenLine xmlns="" xmlns:a14="http://schemas.microsoft.com/office/drawing/2010/main" w="9525">
                 <a:solidFill>
                   <a:srgbClr val="000000"/>
                 </a:solidFill>
@@ -7448,14 +7449,14 @@
           </a:ln>
           <a:extLst>
             <a:ext uri="{909E8E84-426E-40dd-AFC4-6F175D3DCCD1}">
-              <a14:hiddenFill xmlns="" xmlns:a14="http://schemas.microsoft.com/office/drawing/2010/main">
+              <a14:hiddenFill xmlns:a14="http://schemas.microsoft.com/office/drawing/2010/main" xmlns="">
                 <a:solidFill>
                   <a:srgbClr val="FFFFFF"/>
                 </a:solidFill>
               </a14:hiddenFill>
             </a:ext>
             <a:ext uri="{91240B29-F687-4f45-9708-019B960494DF}">
-              <a14:hiddenLine xmlns="" xmlns:a14="http://schemas.microsoft.com/office/drawing/2010/main" w="9525">
+              <a14:hiddenLine xmlns:a14="http://schemas.microsoft.com/office/drawing/2010/main" xmlns="" w="9525">
                 <a:solidFill>
                   <a:srgbClr val="000000"/>
                 </a:solidFill>
@@ -9101,8 +9102,8 @@
         </p:nvSpPr>
         <p:spPr>
           <a:xfrm>
-            <a:off x="1676400" y="0"/>
-            <a:ext cx="8839200" cy="1143000"/>
+            <a:off x="407368" y="116632"/>
+            <a:ext cx="11449272" cy="1143000"/>
           </a:xfrm>
         </p:spPr>
         <p:txBody>
@@ -9128,34 +9129,7 @@
                 <a:latin typeface="Calibri" charset="0"/>
                 <a:ea typeface="ＭＳ Ｐゴシック" charset="0"/>
               </a:rPr>
-              <a:t>/</a:t>
-            </a:r>
-            <a:r>
-              <a:rPr lang="en-US" dirty="0" err="1">
-                <a:latin typeface="Calibri" charset="0"/>
-                <a:ea typeface="ＭＳ Ｐゴシック" charset="0"/>
-              </a:rPr>
-              <a:t>Ballgown</a:t>
-            </a:r>
-            <a:r>
-              <a:rPr lang="en-US" dirty="0">
-                <a:latin typeface="Calibri" charset="0"/>
-                <a:ea typeface="ＭＳ Ｐゴシック" charset="0"/>
-              </a:rPr>
-              <a:t> </a:t>
-            </a:r>
-            <a:br>
-              <a:rPr lang="en-US" dirty="0">
-                <a:latin typeface="Calibri" charset="0"/>
-                <a:ea typeface="ＭＳ Ｐゴシック" charset="0"/>
-              </a:rPr>
-            </a:br>
-            <a:r>
-              <a:rPr lang="en-US" dirty="0">
-                <a:latin typeface="Calibri" charset="0"/>
-                <a:ea typeface="ＭＳ Ｐゴシック" charset="0"/>
-              </a:rPr>
-              <a:t>RNA-seq Pipeline</a:t>
+              <a:t>/Ballgown RNA-seq Pipeline</a:t>
             </a:r>
           </a:p>
         </p:txBody>
@@ -9182,175 +9156,14 @@
         </p:blipFill>
         <p:spPr>
           <a:xfrm>
-            <a:off x="1704628" y="1628800"/>
-            <a:ext cx="8783860" cy="3996688"/>
+            <a:off x="983432" y="1480066"/>
+            <a:ext cx="10297144" cy="4685238"/>
           </a:xfrm>
           <a:prstGeom prst="rect">
             <a:avLst/>
           </a:prstGeom>
         </p:spPr>
       </p:pic>
-      <p:sp>
-        <p:nvSpPr>
-          <p:cNvPr id="41" name="TextBox 3"/>
-          <p:cNvSpPr txBox="1">
-            <a:spLocks noChangeArrowheads="1"/>
-          </p:cNvSpPr>
-          <p:nvPr/>
-        </p:nvSpPr>
-        <p:spPr bwMode="auto">
-          <a:xfrm>
-            <a:off x="3791744" y="5538788"/>
-            <a:ext cx="1073832" cy="338554"/>
-          </a:xfrm>
-          <a:prstGeom prst="rect">
-            <a:avLst/>
-          </a:prstGeom>
-          <a:noFill/>
-          <a:ln>
-            <a:noFill/>
-          </a:ln>
-          <a:extLst>
-            <a:ext uri="{909E8E84-426E-40dd-AFC4-6F175D3DCCD1}">
-              <a14:hiddenFill xmlns="" xmlns:a14="http://schemas.microsoft.com/office/drawing/2010/main">
-                <a:solidFill>
-                  <a:srgbClr val="FFFFFF"/>
-                </a:solidFill>
-              </a14:hiddenFill>
-            </a:ext>
-            <a:ext uri="{91240B29-F687-4f45-9708-019B960494DF}">
-              <a14:hiddenLine xmlns="" xmlns:a14="http://schemas.microsoft.com/office/drawing/2010/main" w="9525">
-                <a:solidFill>
-                  <a:srgbClr val="000000"/>
-                </a:solidFill>
-                <a:miter lim="800000"/>
-                <a:headEnd/>
-                <a:tailEnd/>
-              </a14:hiddenLine>
-            </a:ext>
-          </a:extLst>
-        </p:spPr>
-        <p:txBody>
-          <a:bodyPr wrap="none">
-            <a:spAutoFit/>
-          </a:bodyPr>
-          <a:lstStyle>
-            <a:lvl1pPr eaLnBrk="0" hangingPunct="0">
-              <a:defRPr sz="2400">
-                <a:solidFill>
-                  <a:schemeClr val="tx1"/>
-                </a:solidFill>
-                <a:latin typeface="Arial" charset="0"/>
-                <a:ea typeface="ＭＳ Ｐゴシック" charset="0"/>
-                <a:cs typeface="ＭＳ Ｐゴシック" charset="0"/>
-              </a:defRPr>
-            </a:lvl1pPr>
-            <a:lvl2pPr marL="742950" indent="-285750" eaLnBrk="0" hangingPunct="0">
-              <a:defRPr sz="2400">
-                <a:solidFill>
-                  <a:schemeClr val="tx1"/>
-                </a:solidFill>
-                <a:latin typeface="Arial" charset="0"/>
-                <a:ea typeface="ＭＳ Ｐゴシック" charset="0"/>
-              </a:defRPr>
-            </a:lvl2pPr>
-            <a:lvl3pPr marL="1143000" indent="-228600" eaLnBrk="0" hangingPunct="0">
-              <a:defRPr sz="2400">
-                <a:solidFill>
-                  <a:schemeClr val="tx1"/>
-                </a:solidFill>
-                <a:latin typeface="Arial" charset="0"/>
-                <a:ea typeface="ＭＳ Ｐゴシック" charset="0"/>
-              </a:defRPr>
-            </a:lvl3pPr>
-            <a:lvl4pPr marL="1600200" indent="-228600" eaLnBrk="0" hangingPunct="0">
-              <a:defRPr sz="2400">
-                <a:solidFill>
-                  <a:schemeClr val="tx1"/>
-                </a:solidFill>
-                <a:latin typeface="Arial" charset="0"/>
-                <a:ea typeface="ＭＳ Ｐゴシック" charset="0"/>
-              </a:defRPr>
-            </a:lvl4pPr>
-            <a:lvl5pPr marL="2057400" indent="-228600" eaLnBrk="0" hangingPunct="0">
-              <a:defRPr sz="2400">
-                <a:solidFill>
-                  <a:schemeClr val="tx1"/>
-                </a:solidFill>
-                <a:latin typeface="Arial" charset="0"/>
-                <a:ea typeface="ＭＳ Ｐゴシック" charset="0"/>
-              </a:defRPr>
-            </a:lvl5pPr>
-            <a:lvl6pPr marL="2514600" indent="-228600" eaLnBrk="0" fontAlgn="base" hangingPunct="0">
-              <a:spcBef>
-                <a:spcPct val="0"/>
-              </a:spcBef>
-              <a:spcAft>
-                <a:spcPct val="0"/>
-              </a:spcAft>
-              <a:defRPr sz="2400">
-                <a:solidFill>
-                  <a:schemeClr val="tx1"/>
-                </a:solidFill>
-                <a:latin typeface="Arial" charset="0"/>
-                <a:ea typeface="ＭＳ Ｐゴシック" charset="0"/>
-              </a:defRPr>
-            </a:lvl6pPr>
-            <a:lvl7pPr marL="2971800" indent="-228600" eaLnBrk="0" fontAlgn="base" hangingPunct="0">
-              <a:spcBef>
-                <a:spcPct val="0"/>
-              </a:spcBef>
-              <a:spcAft>
-                <a:spcPct val="0"/>
-              </a:spcAft>
-              <a:defRPr sz="2400">
-                <a:solidFill>
-                  <a:schemeClr val="tx1"/>
-                </a:solidFill>
-                <a:latin typeface="Arial" charset="0"/>
-                <a:ea typeface="ＭＳ Ｐゴシック" charset="0"/>
-              </a:defRPr>
-            </a:lvl7pPr>
-            <a:lvl8pPr marL="3429000" indent="-228600" eaLnBrk="0" fontAlgn="base" hangingPunct="0">
-              <a:spcBef>
-                <a:spcPct val="0"/>
-              </a:spcBef>
-              <a:spcAft>
-                <a:spcPct val="0"/>
-              </a:spcAft>
-              <a:defRPr sz="2400">
-                <a:solidFill>
-                  <a:schemeClr val="tx1"/>
-                </a:solidFill>
-                <a:latin typeface="Arial" charset="0"/>
-                <a:ea typeface="ＭＳ Ｐゴシック" charset="0"/>
-              </a:defRPr>
-            </a:lvl8pPr>
-            <a:lvl9pPr marL="3886200" indent="-228600" eaLnBrk="0" fontAlgn="base" hangingPunct="0">
-              <a:spcBef>
-                <a:spcPct val="0"/>
-              </a:spcBef>
-              <a:spcAft>
-                <a:spcPct val="0"/>
-              </a:spcAft>
-              <a:defRPr sz="2400">
-                <a:solidFill>
-                  <a:schemeClr val="tx1"/>
-                </a:solidFill>
-                <a:latin typeface="Arial" charset="0"/>
-                <a:ea typeface="ＭＳ Ｐゴシック" charset="0"/>
-              </a:defRPr>
-            </a:lvl9pPr>
-          </a:lstStyle>
-          <a:p>
-            <a:pPr eaLnBrk="1" hangingPunct="1"/>
-            <a:r>
-              <a:rPr lang="en-US" sz="1600" b="1" dirty="0"/>
-              <a:t>Module 1</a:t>
-            </a:r>
-          </a:p>
-        </p:txBody>
-      </p:sp>
     </p:spTree>
     <p:extLst>
       <p:ext uri="{BB962C8B-B14F-4D97-AF65-F5344CB8AC3E}">
@@ -9365,6 +9178,135 @@
 </file>
 
 <file path=ppt/slides/slide21.xml><?xml version="1.0" encoding="utf-8"?>
+<p:sld xmlns:a="http://schemas.openxmlformats.org/drawingml/2006/main" xmlns:r="http://schemas.openxmlformats.org/officeDocument/2006/relationships" xmlns:p="http://schemas.openxmlformats.org/presentationml/2006/main">
+  <p:cSld>
+    <p:spTree>
+      <p:nvGrpSpPr>
+        <p:cNvPr id="1" name="">
+          <a:extLst>
+            <a:ext uri="{FF2B5EF4-FFF2-40B4-BE49-F238E27FC236}">
+              <a16:creationId xmlns:a16="http://schemas.microsoft.com/office/drawing/2014/main" id="{3A3BF800-0095-A545-5D16-D749AB134687}"/>
+            </a:ext>
+          </a:extLst>
+        </p:cNvPr>
+        <p:cNvGrpSpPr/>
+        <p:nvPr/>
+      </p:nvGrpSpPr>
+      <p:grpSpPr>
+        <a:xfrm>
+          <a:off x="0" y="0"/>
+          <a:ext cx="0" cy="0"/>
+          <a:chOff x="0" y="0"/>
+          <a:chExt cx="0" cy="0"/>
+        </a:xfrm>
+      </p:grpSpPr>
+      <p:pic>
+        <p:nvPicPr>
+          <p:cNvPr id="2" name="Picture 1" descr="A diagram of a computer program&#10;&#10;Description automatically generated">
+            <a:extLst>
+              <a:ext uri="{FF2B5EF4-FFF2-40B4-BE49-F238E27FC236}">
+                <a16:creationId xmlns:a16="http://schemas.microsoft.com/office/drawing/2014/main" id="{68C9B2CF-8435-BEDD-35A7-F3B5EBE6B72E}"/>
+              </a:ext>
+            </a:extLst>
+          </p:cNvPr>
+          <p:cNvPicPr>
+            <a:picLocks noChangeAspect="1"/>
+          </p:cNvPicPr>
+          <p:nvPr/>
+        </p:nvPicPr>
+        <p:blipFill rotWithShape="1">
+          <a:blip r:embed="rId2"/>
+          <a:srcRect b="7674"/>
+          <a:stretch/>
+        </p:blipFill>
+        <p:spPr>
+          <a:xfrm>
+            <a:off x="483548" y="1212092"/>
+            <a:ext cx="11156782" cy="4902105"/>
+          </a:xfrm>
+          <a:prstGeom prst="rect">
+            <a:avLst/>
+          </a:prstGeom>
+        </p:spPr>
+      </p:pic>
+      <p:sp>
+        <p:nvSpPr>
+          <p:cNvPr id="5" name="Title 4">
+            <a:extLst>
+              <a:ext uri="{FF2B5EF4-FFF2-40B4-BE49-F238E27FC236}">
+                <a16:creationId xmlns:a16="http://schemas.microsoft.com/office/drawing/2014/main" id="{40D65A43-04A3-9A5B-62DF-BB8F41B0567A}"/>
+              </a:ext>
+            </a:extLst>
+          </p:cNvPr>
+          <p:cNvSpPr>
+            <a:spLocks noGrp="1"/>
+          </p:cNvSpPr>
+          <p:nvPr>
+            <p:ph type="title"/>
+          </p:nvPr>
+        </p:nvSpPr>
+        <p:spPr>
+          <a:xfrm>
+            <a:off x="407368" y="116632"/>
+            <a:ext cx="11449272" cy="1143000"/>
+          </a:xfrm>
+        </p:spPr>
+        <p:txBody>
+          <a:bodyPr/>
+          <a:lstStyle/>
+          <a:p>
+            <a:r>
+              <a:rPr lang="en-US" dirty="0">
+                <a:latin typeface="Calibri" charset="0"/>
+                <a:ea typeface="ＭＳ Ｐゴシック" charset="0"/>
+              </a:rPr>
+              <a:t>HISAT2/</a:t>
+            </a:r>
+            <a:r>
+              <a:rPr lang="en-US" dirty="0" err="1">
+                <a:latin typeface="Calibri" charset="0"/>
+                <a:ea typeface="ＭＳ Ｐゴシック" charset="0"/>
+              </a:rPr>
+              <a:t>htseq</a:t>
+            </a:r>
+            <a:r>
+              <a:rPr lang="en-US" dirty="0">
+                <a:latin typeface="Calibri" charset="0"/>
+                <a:ea typeface="ＭＳ Ｐゴシック" charset="0"/>
+              </a:rPr>
+              <a:t>-count/</a:t>
+            </a:r>
+            <a:r>
+              <a:rPr lang="en-US" dirty="0" err="1">
+                <a:latin typeface="Calibri" charset="0"/>
+                <a:ea typeface="ＭＳ Ｐゴシック" charset="0"/>
+              </a:rPr>
+              <a:t>edgeR</a:t>
+            </a:r>
+            <a:r>
+              <a:rPr lang="en-US" dirty="0">
+                <a:latin typeface="Calibri" charset="0"/>
+                <a:ea typeface="ＭＳ Ｐゴシック" charset="0"/>
+              </a:rPr>
+              <a:t>/DEseq2 Pipeline</a:t>
+            </a:r>
+          </a:p>
+        </p:txBody>
+      </p:sp>
+    </p:spTree>
+    <p:extLst>
+      <p:ext uri="{BB962C8B-B14F-4D97-AF65-F5344CB8AC3E}">
+        <p14:creationId xmlns:p14="http://schemas.microsoft.com/office/powerpoint/2010/main" val="3923657504"/>
+      </p:ext>
+    </p:extLst>
+  </p:cSld>
+  <p:clrMapOvr>
+    <a:masterClrMapping/>
+  </p:clrMapOvr>
+</p:sld>
+</file>
+
+<file path=ppt/slides/slide22.xml><?xml version="1.0" encoding="utf-8"?>
 <p:sld xmlns:a="http://schemas.openxmlformats.org/drawingml/2006/main" xmlns:r="http://schemas.openxmlformats.org/officeDocument/2006/relationships" xmlns:p="http://schemas.openxmlformats.org/presentationml/2006/main">
   <p:cSld>
     <p:spTree>
@@ -10520,14 +10462,14 @@
           </a:ln>
           <a:extLst>
             <a:ext uri="{909E8E84-426E-40dd-AFC4-6F175D3DCCD1}">
-              <a14:hiddenFill xmlns="" xmlns:a14="http://schemas.microsoft.com/office/drawing/2010/main">
+              <a14:hiddenFill xmlns:a14="http://schemas.microsoft.com/office/drawing/2010/main" xmlns="">
                 <a:solidFill>
                   <a:srgbClr val="FFFFFF"/>
                 </a:solidFill>
               </a14:hiddenFill>
             </a:ext>
             <a:ext uri="{91240B29-F687-4f45-9708-019B960494DF}">
-              <a14:hiddenLine xmlns="" xmlns:a14="http://schemas.microsoft.com/office/drawing/2010/main" w="9525">
+              <a14:hiddenLine xmlns:a14="http://schemas.microsoft.com/office/drawing/2010/main" xmlns="" w="9525">
                 <a:solidFill>
                   <a:srgbClr val="000000"/>
                 </a:solidFill>
@@ -10574,14 +10516,14 @@
           </a:ln>
           <a:extLst>
             <a:ext uri="{909E8E84-426E-40dd-AFC4-6F175D3DCCD1}">
-              <a14:hiddenFill xmlns="" xmlns:a14="http://schemas.microsoft.com/office/drawing/2010/main">
+              <a14:hiddenFill xmlns:a14="http://schemas.microsoft.com/office/drawing/2010/main" xmlns="">
                 <a:solidFill>
                   <a:srgbClr val="FFFFFF"/>
                 </a:solidFill>
               </a14:hiddenFill>
             </a:ext>
             <a:ext uri="{91240B29-F687-4f45-9708-019B960494DF}">
-              <a14:hiddenLine xmlns="" xmlns:a14="http://schemas.microsoft.com/office/drawing/2010/main" w="9525">
+              <a14:hiddenLine xmlns:a14="http://schemas.microsoft.com/office/drawing/2010/main" xmlns="" w="9525">
                 <a:solidFill>
                   <a:srgbClr val="000000"/>
                 </a:solidFill>
@@ -10615,14 +10557,14 @@
           </a:ln>
           <a:extLst>
             <a:ext uri="{909E8E84-426E-40dd-AFC4-6F175D3DCCD1}">
-              <a14:hiddenFill xmlns="" xmlns:a14="http://schemas.microsoft.com/office/drawing/2010/main">
+              <a14:hiddenFill xmlns:a14="http://schemas.microsoft.com/office/drawing/2010/main" xmlns="">
                 <a:solidFill>
                   <a:srgbClr val="FFFFFF"/>
                 </a:solidFill>
               </a14:hiddenFill>
             </a:ext>
             <a:ext uri="{91240B29-F687-4f45-9708-019B960494DF}">
-              <a14:hiddenLine xmlns="" xmlns:a14="http://schemas.microsoft.com/office/drawing/2010/main" w="9525">
+              <a14:hiddenLine xmlns:a14="http://schemas.microsoft.com/office/drawing/2010/main" xmlns="" w="9525">
                 <a:solidFill>
                   <a:srgbClr val="000000"/>
                 </a:solidFill>
@@ -10776,14 +10718,14 @@
           </a:ln>
           <a:extLst>
             <a:ext uri="{909E8E84-426E-40dd-AFC4-6F175D3DCCD1}">
-              <a14:hiddenFill xmlns="" xmlns:a14="http://schemas.microsoft.com/office/drawing/2010/main">
+              <a14:hiddenFill xmlns:a14="http://schemas.microsoft.com/office/drawing/2010/main" xmlns="">
                 <a:solidFill>
                   <a:srgbClr val="FFFFFF"/>
                 </a:solidFill>
               </a14:hiddenFill>
             </a:ext>
             <a:ext uri="{91240B29-F687-4f45-9708-019B960494DF}">
-              <a14:hiddenLine xmlns="" xmlns:a14="http://schemas.microsoft.com/office/drawing/2010/main" w="9525">
+              <a14:hiddenLine xmlns:a14="http://schemas.microsoft.com/office/drawing/2010/main" xmlns="" w="9525">
                 <a:solidFill>
                   <a:srgbClr val="000000"/>
                 </a:solidFill>

--- a/assets/lectures/cshl/2024/full/RNASeq_Module1_IntrotoRNA.pptx
+++ b/assets/lectures/cshl/2024/full/RNASeq_Module1_IntrotoRNA.pptx
@@ -6519,14 +6519,14 @@
           <a:p>
             <a:pPr algn="r" eaLnBrk="1" hangingPunct="1"/>
             <a:r>
-              <a:rPr lang="en-US" sz="2000" b="1">
+              <a:rPr lang="en-US" sz="2000" b="1" dirty="0">
                 <a:solidFill>
                   <a:schemeClr val="bg1"/>
                 </a:solidFill>
                 <a:latin typeface="Calibri" charset="0"/>
                 <a:cs typeface="Segoe UI" charset="0"/>
               </a:rPr>
-              <a:t>FASTA/FASTQ/GTF</a:t>
+              <a:t>Intro to RNA-seq</a:t>
             </a:r>
             <a:endParaRPr lang="en-US" sz="1800" b="1" dirty="0">
               <a:solidFill>
